--- a/fraud_detection.pptx
+++ b/fraud_detection.pptx
@@ -16,6 +16,8 @@
     <p:sldId id="261" r:id="rId13"/>
     <p:sldId id="262" r:id="rId14"/>
     <p:sldId id="263" r:id="rId15"/>
+    <p:sldId id="264" r:id="rId16"/>
+    <p:sldId id="265" r:id="rId17"/>
   </p:sldIdLst>
   <p:sldSz cx="13004800" cy="9753600"/>
   <p:notesSz cx="6858000" cy="9144000"/>
@@ -61,22 +63,22 @@
       <a:buFontTx/>
       <a:buNone/>
       <a:tabLst/>
-      <a:defRPr b="1" baseline="0" cap="none" i="0" spc="0" strike="noStrike" sz="2400" u="none" kumimoji="0" normalizeH="0">
+      <a:defRPr b="0" baseline="0" cap="none" i="0" spc="0" strike="noStrike" sz="2400" u="none" kumimoji="0" normalizeH="0">
         <a:ln>
           <a:noFill/>
         </a:ln>
         <a:solidFill>
-          <a:srgbClr val="FFFFFF"/>
+          <a:srgbClr val="000000"/>
         </a:solidFill>
         <a:effectLst/>
         <a:uFillTx/>
-        <a:latin typeface="Helvetica Neue"/>
-        <a:ea typeface="Helvetica Neue"/>
-        <a:cs typeface="Helvetica Neue"/>
-        <a:sym typeface="Helvetica Neue"/>
+        <a:latin typeface="Helvetica Neue Medium"/>
+        <a:ea typeface="Helvetica Neue Medium"/>
+        <a:cs typeface="Helvetica Neue Medium"/>
+        <a:sym typeface="Helvetica Neue Medium"/>
       </a:defRPr>
     </a:lvl1pPr>
-    <a:lvl2pPr marL="0" marR="0" indent="228600" algn="ctr" defTabSz="584200" rtl="0" fontAlgn="auto" latinLnBrk="0" hangingPunct="0">
+    <a:lvl2pPr marL="0" marR="0" indent="0" algn="ctr" defTabSz="584200" rtl="0" fontAlgn="auto" latinLnBrk="0" hangingPunct="0">
       <a:lnSpc>
         <a:spcPct val="100000"/>
       </a:lnSpc>
@@ -91,22 +93,22 @@
       <a:buFontTx/>
       <a:buNone/>
       <a:tabLst/>
-      <a:defRPr b="1" baseline="0" cap="none" i="0" spc="0" strike="noStrike" sz="2400" u="none" kumimoji="0" normalizeH="0">
+      <a:defRPr b="0" baseline="0" cap="none" i="0" spc="0" strike="noStrike" sz="2400" u="none" kumimoji="0" normalizeH="0">
         <a:ln>
           <a:noFill/>
         </a:ln>
         <a:solidFill>
-          <a:srgbClr val="FFFFFF"/>
+          <a:srgbClr val="000000"/>
         </a:solidFill>
         <a:effectLst/>
         <a:uFillTx/>
-        <a:latin typeface="Helvetica Neue"/>
-        <a:ea typeface="Helvetica Neue"/>
-        <a:cs typeface="Helvetica Neue"/>
-        <a:sym typeface="Helvetica Neue"/>
+        <a:latin typeface="Helvetica Neue Medium"/>
+        <a:ea typeface="Helvetica Neue Medium"/>
+        <a:cs typeface="Helvetica Neue Medium"/>
+        <a:sym typeface="Helvetica Neue Medium"/>
       </a:defRPr>
     </a:lvl2pPr>
-    <a:lvl3pPr marL="0" marR="0" indent="457200" algn="ctr" defTabSz="584200" rtl="0" fontAlgn="auto" latinLnBrk="0" hangingPunct="0">
+    <a:lvl3pPr marL="0" marR="0" indent="0" algn="ctr" defTabSz="584200" rtl="0" fontAlgn="auto" latinLnBrk="0" hangingPunct="0">
       <a:lnSpc>
         <a:spcPct val="100000"/>
       </a:lnSpc>
@@ -121,22 +123,22 @@
       <a:buFontTx/>
       <a:buNone/>
       <a:tabLst/>
-      <a:defRPr b="1" baseline="0" cap="none" i="0" spc="0" strike="noStrike" sz="2400" u="none" kumimoji="0" normalizeH="0">
+      <a:defRPr b="0" baseline="0" cap="none" i="0" spc="0" strike="noStrike" sz="2400" u="none" kumimoji="0" normalizeH="0">
         <a:ln>
           <a:noFill/>
         </a:ln>
         <a:solidFill>
-          <a:srgbClr val="FFFFFF"/>
+          <a:srgbClr val="000000"/>
         </a:solidFill>
         <a:effectLst/>
         <a:uFillTx/>
-        <a:latin typeface="Helvetica Neue"/>
-        <a:ea typeface="Helvetica Neue"/>
-        <a:cs typeface="Helvetica Neue"/>
-        <a:sym typeface="Helvetica Neue"/>
+        <a:latin typeface="Helvetica Neue Medium"/>
+        <a:ea typeface="Helvetica Neue Medium"/>
+        <a:cs typeface="Helvetica Neue Medium"/>
+        <a:sym typeface="Helvetica Neue Medium"/>
       </a:defRPr>
     </a:lvl3pPr>
-    <a:lvl4pPr marL="0" marR="0" indent="685800" algn="ctr" defTabSz="584200" rtl="0" fontAlgn="auto" latinLnBrk="0" hangingPunct="0">
+    <a:lvl4pPr marL="0" marR="0" indent="0" algn="ctr" defTabSz="584200" rtl="0" fontAlgn="auto" latinLnBrk="0" hangingPunct="0">
       <a:lnSpc>
         <a:spcPct val="100000"/>
       </a:lnSpc>
@@ -151,22 +153,22 @@
       <a:buFontTx/>
       <a:buNone/>
       <a:tabLst/>
-      <a:defRPr b="1" baseline="0" cap="none" i="0" spc="0" strike="noStrike" sz="2400" u="none" kumimoji="0" normalizeH="0">
+      <a:defRPr b="0" baseline="0" cap="none" i="0" spc="0" strike="noStrike" sz="2400" u="none" kumimoji="0" normalizeH="0">
         <a:ln>
           <a:noFill/>
         </a:ln>
         <a:solidFill>
-          <a:srgbClr val="FFFFFF"/>
+          <a:srgbClr val="000000"/>
         </a:solidFill>
         <a:effectLst/>
         <a:uFillTx/>
-        <a:latin typeface="Helvetica Neue"/>
-        <a:ea typeface="Helvetica Neue"/>
-        <a:cs typeface="Helvetica Neue"/>
-        <a:sym typeface="Helvetica Neue"/>
+        <a:latin typeface="Helvetica Neue Medium"/>
+        <a:ea typeface="Helvetica Neue Medium"/>
+        <a:cs typeface="Helvetica Neue Medium"/>
+        <a:sym typeface="Helvetica Neue Medium"/>
       </a:defRPr>
     </a:lvl4pPr>
-    <a:lvl5pPr marL="0" marR="0" indent="914400" algn="ctr" defTabSz="584200" rtl="0" fontAlgn="auto" latinLnBrk="0" hangingPunct="0">
+    <a:lvl5pPr marL="0" marR="0" indent="0" algn="ctr" defTabSz="584200" rtl="0" fontAlgn="auto" latinLnBrk="0" hangingPunct="0">
       <a:lnSpc>
         <a:spcPct val="100000"/>
       </a:lnSpc>
@@ -181,22 +183,22 @@
       <a:buFontTx/>
       <a:buNone/>
       <a:tabLst/>
-      <a:defRPr b="1" baseline="0" cap="none" i="0" spc="0" strike="noStrike" sz="2400" u="none" kumimoji="0" normalizeH="0">
+      <a:defRPr b="0" baseline="0" cap="none" i="0" spc="0" strike="noStrike" sz="2400" u="none" kumimoji="0" normalizeH="0">
         <a:ln>
           <a:noFill/>
         </a:ln>
         <a:solidFill>
-          <a:srgbClr val="FFFFFF"/>
+          <a:srgbClr val="000000"/>
         </a:solidFill>
         <a:effectLst/>
         <a:uFillTx/>
-        <a:latin typeface="Helvetica Neue"/>
-        <a:ea typeface="Helvetica Neue"/>
-        <a:cs typeface="Helvetica Neue"/>
-        <a:sym typeface="Helvetica Neue"/>
+        <a:latin typeface="Helvetica Neue Medium"/>
+        <a:ea typeface="Helvetica Neue Medium"/>
+        <a:cs typeface="Helvetica Neue Medium"/>
+        <a:sym typeface="Helvetica Neue Medium"/>
       </a:defRPr>
     </a:lvl5pPr>
-    <a:lvl6pPr marL="0" marR="0" indent="1143000" algn="ctr" defTabSz="584200" rtl="0" fontAlgn="auto" latinLnBrk="0" hangingPunct="0">
+    <a:lvl6pPr marL="0" marR="0" indent="0" algn="ctr" defTabSz="584200" rtl="0" fontAlgn="auto" latinLnBrk="0" hangingPunct="0">
       <a:lnSpc>
         <a:spcPct val="100000"/>
       </a:lnSpc>
@@ -211,22 +213,22 @@
       <a:buFontTx/>
       <a:buNone/>
       <a:tabLst/>
-      <a:defRPr b="1" baseline="0" cap="none" i="0" spc="0" strike="noStrike" sz="2400" u="none" kumimoji="0" normalizeH="0">
+      <a:defRPr b="0" baseline="0" cap="none" i="0" spc="0" strike="noStrike" sz="2400" u="none" kumimoji="0" normalizeH="0">
         <a:ln>
           <a:noFill/>
         </a:ln>
         <a:solidFill>
-          <a:srgbClr val="FFFFFF"/>
+          <a:srgbClr val="000000"/>
         </a:solidFill>
         <a:effectLst/>
         <a:uFillTx/>
-        <a:latin typeface="Helvetica Neue"/>
-        <a:ea typeface="Helvetica Neue"/>
-        <a:cs typeface="Helvetica Neue"/>
-        <a:sym typeface="Helvetica Neue"/>
+        <a:latin typeface="Helvetica Neue Medium"/>
+        <a:ea typeface="Helvetica Neue Medium"/>
+        <a:cs typeface="Helvetica Neue Medium"/>
+        <a:sym typeface="Helvetica Neue Medium"/>
       </a:defRPr>
     </a:lvl6pPr>
-    <a:lvl7pPr marL="0" marR="0" indent="1371600" algn="ctr" defTabSz="584200" rtl="0" fontAlgn="auto" latinLnBrk="0" hangingPunct="0">
+    <a:lvl7pPr marL="0" marR="0" indent="0" algn="ctr" defTabSz="584200" rtl="0" fontAlgn="auto" latinLnBrk="0" hangingPunct="0">
       <a:lnSpc>
         <a:spcPct val="100000"/>
       </a:lnSpc>
@@ -241,22 +243,22 @@
       <a:buFontTx/>
       <a:buNone/>
       <a:tabLst/>
-      <a:defRPr b="1" baseline="0" cap="none" i="0" spc="0" strike="noStrike" sz="2400" u="none" kumimoji="0" normalizeH="0">
+      <a:defRPr b="0" baseline="0" cap="none" i="0" spc="0" strike="noStrike" sz="2400" u="none" kumimoji="0" normalizeH="0">
         <a:ln>
           <a:noFill/>
         </a:ln>
         <a:solidFill>
-          <a:srgbClr val="FFFFFF"/>
+          <a:srgbClr val="000000"/>
         </a:solidFill>
         <a:effectLst/>
         <a:uFillTx/>
-        <a:latin typeface="Helvetica Neue"/>
-        <a:ea typeface="Helvetica Neue"/>
-        <a:cs typeface="Helvetica Neue"/>
-        <a:sym typeface="Helvetica Neue"/>
+        <a:latin typeface="Helvetica Neue Medium"/>
+        <a:ea typeface="Helvetica Neue Medium"/>
+        <a:cs typeface="Helvetica Neue Medium"/>
+        <a:sym typeface="Helvetica Neue Medium"/>
       </a:defRPr>
     </a:lvl7pPr>
-    <a:lvl8pPr marL="0" marR="0" indent="1600200" algn="ctr" defTabSz="584200" rtl="0" fontAlgn="auto" latinLnBrk="0" hangingPunct="0">
+    <a:lvl8pPr marL="0" marR="0" indent="0" algn="ctr" defTabSz="584200" rtl="0" fontAlgn="auto" latinLnBrk="0" hangingPunct="0">
       <a:lnSpc>
         <a:spcPct val="100000"/>
       </a:lnSpc>
@@ -271,22 +273,22 @@
       <a:buFontTx/>
       <a:buNone/>
       <a:tabLst/>
-      <a:defRPr b="1" baseline="0" cap="none" i="0" spc="0" strike="noStrike" sz="2400" u="none" kumimoji="0" normalizeH="0">
+      <a:defRPr b="0" baseline="0" cap="none" i="0" spc="0" strike="noStrike" sz="2400" u="none" kumimoji="0" normalizeH="0">
         <a:ln>
           <a:noFill/>
         </a:ln>
         <a:solidFill>
-          <a:srgbClr val="FFFFFF"/>
+          <a:srgbClr val="000000"/>
         </a:solidFill>
         <a:effectLst/>
         <a:uFillTx/>
-        <a:latin typeface="Helvetica Neue"/>
-        <a:ea typeface="Helvetica Neue"/>
-        <a:cs typeface="Helvetica Neue"/>
-        <a:sym typeface="Helvetica Neue"/>
+        <a:latin typeface="Helvetica Neue Medium"/>
+        <a:ea typeface="Helvetica Neue Medium"/>
+        <a:cs typeface="Helvetica Neue Medium"/>
+        <a:sym typeface="Helvetica Neue Medium"/>
       </a:defRPr>
     </a:lvl8pPr>
-    <a:lvl9pPr marL="0" marR="0" indent="1828800" algn="ctr" defTabSz="584200" rtl="0" fontAlgn="auto" latinLnBrk="0" hangingPunct="0">
+    <a:lvl9pPr marL="0" marR="0" indent="0" algn="ctr" defTabSz="584200" rtl="0" fontAlgn="auto" latinLnBrk="0" hangingPunct="0">
       <a:lnSpc>
         <a:spcPct val="100000"/>
       </a:lnSpc>
@@ -301,19 +303,19 @@
       <a:buFontTx/>
       <a:buNone/>
       <a:tabLst/>
-      <a:defRPr b="1" baseline="0" cap="none" i="0" spc="0" strike="noStrike" sz="2400" u="none" kumimoji="0" normalizeH="0">
+      <a:defRPr b="0" baseline="0" cap="none" i="0" spc="0" strike="noStrike" sz="2400" u="none" kumimoji="0" normalizeH="0">
         <a:ln>
           <a:noFill/>
         </a:ln>
         <a:solidFill>
-          <a:srgbClr val="FFFFFF"/>
+          <a:srgbClr val="000000"/>
         </a:solidFill>
         <a:effectLst/>
         <a:uFillTx/>
-        <a:latin typeface="Helvetica Neue"/>
-        <a:ea typeface="Helvetica Neue"/>
-        <a:cs typeface="Helvetica Neue"/>
-        <a:sym typeface="Helvetica Neue"/>
+        <a:latin typeface="Helvetica Neue Medium"/>
+        <a:ea typeface="Helvetica Neue Medium"/>
+        <a:cs typeface="Helvetica Neue Medium"/>
+        <a:sym typeface="Helvetica Neue Medium"/>
       </a:defRPr>
     </a:lvl9pPr>
   </p:defaultTextStyle>
@@ -400,9 +402,9 @@
         <a:spcPct val="117999"/>
       </a:lnSpc>
       <a:defRPr sz="2200">
-        <a:latin typeface="Helvetica Neue"/>
-        <a:ea typeface="Helvetica Neue"/>
-        <a:cs typeface="Helvetica Neue"/>
+        <a:latin typeface="+mn-lt"/>
+        <a:ea typeface="+mn-ea"/>
+        <a:cs typeface="+mn-cs"/>
         <a:sym typeface="Helvetica Neue"/>
       </a:defRPr>
     </a:lvl1pPr>
@@ -411,9 +413,9 @@
         <a:spcPct val="117999"/>
       </a:lnSpc>
       <a:defRPr sz="2200">
-        <a:latin typeface="Helvetica Neue"/>
-        <a:ea typeface="Helvetica Neue"/>
-        <a:cs typeface="Helvetica Neue"/>
+        <a:latin typeface="+mn-lt"/>
+        <a:ea typeface="+mn-ea"/>
+        <a:cs typeface="+mn-cs"/>
         <a:sym typeface="Helvetica Neue"/>
       </a:defRPr>
     </a:lvl2pPr>
@@ -422,9 +424,9 @@
         <a:spcPct val="117999"/>
       </a:lnSpc>
       <a:defRPr sz="2200">
-        <a:latin typeface="Helvetica Neue"/>
-        <a:ea typeface="Helvetica Neue"/>
-        <a:cs typeface="Helvetica Neue"/>
+        <a:latin typeface="+mn-lt"/>
+        <a:ea typeface="+mn-ea"/>
+        <a:cs typeface="+mn-cs"/>
         <a:sym typeface="Helvetica Neue"/>
       </a:defRPr>
     </a:lvl3pPr>
@@ -433,9 +435,9 @@
         <a:spcPct val="117999"/>
       </a:lnSpc>
       <a:defRPr sz="2200">
-        <a:latin typeface="Helvetica Neue"/>
-        <a:ea typeface="Helvetica Neue"/>
-        <a:cs typeface="Helvetica Neue"/>
+        <a:latin typeface="+mn-lt"/>
+        <a:ea typeface="+mn-ea"/>
+        <a:cs typeface="+mn-cs"/>
         <a:sym typeface="Helvetica Neue"/>
       </a:defRPr>
     </a:lvl4pPr>
@@ -444,9 +446,9 @@
         <a:spcPct val="117999"/>
       </a:lnSpc>
       <a:defRPr sz="2200">
-        <a:latin typeface="Helvetica Neue"/>
-        <a:ea typeface="Helvetica Neue"/>
-        <a:cs typeface="Helvetica Neue"/>
+        <a:latin typeface="+mn-lt"/>
+        <a:ea typeface="+mn-ea"/>
+        <a:cs typeface="+mn-cs"/>
         <a:sym typeface="Helvetica Neue"/>
       </a:defRPr>
     </a:lvl5pPr>
@@ -455,9 +457,9 @@
         <a:spcPct val="117999"/>
       </a:lnSpc>
       <a:defRPr sz="2200">
-        <a:latin typeface="Helvetica Neue"/>
-        <a:ea typeface="Helvetica Neue"/>
-        <a:cs typeface="Helvetica Neue"/>
+        <a:latin typeface="+mn-lt"/>
+        <a:ea typeface="+mn-ea"/>
+        <a:cs typeface="+mn-cs"/>
         <a:sym typeface="Helvetica Neue"/>
       </a:defRPr>
     </a:lvl6pPr>
@@ -466,9 +468,9 @@
         <a:spcPct val="117999"/>
       </a:lnSpc>
       <a:defRPr sz="2200">
-        <a:latin typeface="Helvetica Neue"/>
-        <a:ea typeface="Helvetica Neue"/>
-        <a:cs typeface="Helvetica Neue"/>
+        <a:latin typeface="+mn-lt"/>
+        <a:ea typeface="+mn-ea"/>
+        <a:cs typeface="+mn-cs"/>
         <a:sym typeface="Helvetica Neue"/>
       </a:defRPr>
     </a:lvl7pPr>
@@ -477,9 +479,9 @@
         <a:spcPct val="117999"/>
       </a:lnSpc>
       <a:defRPr sz="2200">
-        <a:latin typeface="Helvetica Neue"/>
-        <a:ea typeface="Helvetica Neue"/>
-        <a:cs typeface="Helvetica Neue"/>
+        <a:latin typeface="+mn-lt"/>
+        <a:ea typeface="+mn-ea"/>
+        <a:cs typeface="+mn-cs"/>
         <a:sym typeface="Helvetica Neue"/>
       </a:defRPr>
     </a:lvl8pPr>
@@ -488,9 +490,9 @@
         <a:spcPct val="117999"/>
       </a:lnSpc>
       <a:defRPr sz="2200">
-        <a:latin typeface="Helvetica Neue"/>
-        <a:ea typeface="Helvetica Neue"/>
-        <a:cs typeface="Helvetica Neue"/>
+        <a:latin typeface="+mn-lt"/>
+        <a:ea typeface="+mn-ea"/>
+        <a:cs typeface="+mn-cs"/>
         <a:sym typeface="Helvetica Neue"/>
       </a:defRPr>
     </a:lvl9pPr>
@@ -567,7 +569,6 @@
               <a:spcBef>
                 <a:spcPts val="0"/>
               </a:spcBef>
-              <a:buClrTx/>
               <a:buSzTx/>
               <a:buNone/>
               <a:defRPr sz="3700"/>
@@ -576,7 +577,6 @@
               <a:spcBef>
                 <a:spcPts val="0"/>
               </a:spcBef>
-              <a:buClrTx/>
               <a:buSzTx/>
               <a:buNone/>
               <a:defRPr sz="3700"/>
@@ -585,7 +585,6 @@
               <a:spcBef>
                 <a:spcPts val="0"/>
               </a:spcBef>
-              <a:buClrTx/>
               <a:buSzTx/>
               <a:buNone/>
               <a:defRPr sz="3700"/>
@@ -594,7 +593,6 @@
               <a:spcBef>
                 <a:spcPts val="0"/>
               </a:spcBef>
-              <a:buClrTx/>
               <a:buSzTx/>
               <a:buNone/>
               <a:defRPr sz="3700"/>
@@ -603,7 +601,6 @@
               <a:spcBef>
                 <a:spcPts val="0"/>
               </a:spcBef>
-              <a:buClrTx/>
               <a:buSzTx/>
               <a:buNone/>
               <a:defRPr sz="3700"/>
@@ -691,10 +688,10 @@
       </p:grpSpPr>
       <p:sp>
         <p:nvSpPr>
-          <p:cNvPr id="93" name="–Johnny Appleseed"/>
+          <p:cNvPr id="93" name="Body Level One…"/>
           <p:cNvSpPr txBox="1"/>
           <p:nvPr>
-            <p:ph type="body" sz="quarter" idx="13"/>
+            <p:ph type="body" sz="quarter" idx="1"/>
           </p:nvPr>
         </p:nvSpPr>
         <p:spPr>
@@ -707,24 +704,69 @@
           </a:prstGeom>
         </p:spPr>
         <p:txBody>
-          <a:bodyPr anchor="t">
-            <a:spAutoFit/>
-          </a:bodyPr>
+          <a:bodyPr anchor="t"/>
           <a:lstStyle>
             <a:lvl1pPr marL="0" indent="0" algn="ctr">
               <a:spcBef>
                 <a:spcPts val="0"/>
               </a:spcBef>
-              <a:buClrTx/>
               <a:buSzTx/>
               <a:buNone/>
               <a:defRPr i="1" sz="2400"/>
             </a:lvl1pPr>
+            <a:lvl2pPr marL="777875" indent="-333375" algn="ctr">
+              <a:spcBef>
+                <a:spcPts val="0"/>
+              </a:spcBef>
+              <a:defRPr i="1" sz="2400"/>
+            </a:lvl2pPr>
+            <a:lvl3pPr marL="1222375" indent="-333375" algn="ctr">
+              <a:spcBef>
+                <a:spcPts val="0"/>
+              </a:spcBef>
+              <a:defRPr i="1" sz="2400"/>
+            </a:lvl3pPr>
+            <a:lvl4pPr marL="1666875" indent="-333375" algn="ctr">
+              <a:spcBef>
+                <a:spcPts val="0"/>
+              </a:spcBef>
+              <a:defRPr i="1" sz="2400"/>
+            </a:lvl4pPr>
+            <a:lvl5pPr marL="2111375" indent="-333375" algn="ctr">
+              <a:spcBef>
+                <a:spcPts val="0"/>
+              </a:spcBef>
+              <a:defRPr i="1" sz="2400"/>
+            </a:lvl5pPr>
           </a:lstStyle>
           <a:p>
             <a:pPr/>
             <a:r>
-              <a:t>–Johnny Appleseed</a:t>
+              <a:t>Body Level One</a:t>
+            </a:r>
+          </a:p>
+          <a:p>
+            <a:pPr lvl="1"/>
+            <a:r>
+              <a:t>Body Level Two</a:t>
+            </a:r>
+          </a:p>
+          <a:p>
+            <a:pPr lvl="2"/>
+            <a:r>
+              <a:t>Body Level Three</a:t>
+            </a:r>
+          </a:p>
+          <a:p>
+            <a:pPr lvl="3"/>
+            <a:r>
+              <a:t>Body Level Four</a:t>
+            </a:r>
+          </a:p>
+          <a:p>
+            <a:pPr lvl="4"/>
+            <a:r>
+              <a:t>Body Level Five</a:t>
             </a:r>
           </a:p>
         </p:txBody>
@@ -734,43 +776,35 @@
           <p:cNvPr id="94" name="“Type a quote here.”"/>
           <p:cNvSpPr txBox="1"/>
           <p:nvPr>
-            <p:ph type="body" sz="quarter" idx="14"/>
+            <p:ph type="body" sz="quarter" idx="13"/>
           </p:nvPr>
         </p:nvSpPr>
         <p:spPr>
           <a:xfrm>
             <a:off x="1270000" y="4308599"/>
-            <a:ext cx="10464800" cy="609776"/>
+            <a:ext cx="10464800" cy="609777"/>
           </a:xfrm>
           <a:prstGeom prst="rect">
             <a:avLst/>
           </a:prstGeom>
         </p:spPr>
         <p:txBody>
-          <a:bodyPr>
-            <a:spAutoFit/>
-          </a:bodyPr>
-          <a:lstStyle>
-            <a:lvl1pPr marL="0" indent="0" algn="ctr">
+          <a:bodyPr/>
+          <a:lstStyle/>
+          <a:p>
+            <a:pPr marL="0" indent="0" algn="ctr">
               <a:spcBef>
                 <a:spcPts val="0"/>
               </a:spcBef>
-              <a:buClrTx/>
               <a:buSzTx/>
               <a:buNone/>
               <a:defRPr sz="3400">
-                <a:latin typeface="+mn-lt"/>
-                <a:ea typeface="+mn-ea"/>
-                <a:cs typeface="+mn-cs"/>
+                <a:latin typeface="Helvetica Neue Medium"/>
+                <a:ea typeface="Helvetica Neue Medium"/>
+                <a:cs typeface="Helvetica Neue Medium"/>
                 <a:sym typeface="Helvetica Neue Medium"/>
               </a:defRPr>
-            </a:lvl1pPr>
-          </a:lstStyle>
-          <a:p>
-            <a:pPr/>
-            <a:r>
-              <a:t>“Type a quote here.” </a:t>
-            </a:r>
+            </a:pPr>
           </a:p>
         </p:txBody>
       </p:sp>
@@ -833,7 +867,7 @@
         <p:spPr>
           <a:xfrm>
             <a:off x="-929606" y="-12700"/>
-            <a:ext cx="16551777" cy="11034518"/>
+            <a:ext cx="16551778" cy="11034518"/>
           </a:xfrm>
           <a:prstGeom prst="rect">
             <a:avLst/>
@@ -1024,7 +1058,6 @@
               <a:spcBef>
                 <a:spcPts val="0"/>
               </a:spcBef>
-              <a:buClrTx/>
               <a:buSzTx/>
               <a:buNone/>
               <a:defRPr sz="3700"/>
@@ -1033,7 +1066,6 @@
               <a:spcBef>
                 <a:spcPts val="0"/>
               </a:spcBef>
-              <a:buClrTx/>
               <a:buSzTx/>
               <a:buNone/>
               <a:defRPr sz="3700"/>
@@ -1042,7 +1074,6 @@
               <a:spcBef>
                 <a:spcPts val="0"/>
               </a:spcBef>
-              <a:buClrTx/>
               <a:buSzTx/>
               <a:buNone/>
               <a:defRPr sz="3700"/>
@@ -1051,7 +1082,6 @@
               <a:spcBef>
                 <a:spcPts val="0"/>
               </a:spcBef>
-              <a:buClrTx/>
               <a:buSzTx/>
               <a:buNone/>
               <a:defRPr sz="3700"/>
@@ -1060,7 +1090,6 @@
               <a:spcBef>
                 <a:spcPts val="0"/>
               </a:spcBef>
-              <a:buClrTx/>
               <a:buSzTx/>
               <a:buNone/>
               <a:defRPr sz="3700"/>
@@ -1232,8 +1261,8 @@
         </p:nvSpPr>
         <p:spPr>
           <a:xfrm>
-            <a:off x="2451058" y="-138499"/>
-            <a:ext cx="13525502" cy="9017002"/>
+            <a:off x="2451057" y="-138499"/>
+            <a:ext cx="13525503" cy="9017003"/>
           </a:xfrm>
           <a:prstGeom prst="rect">
             <a:avLst/>
@@ -1305,7 +1334,6 @@
               <a:spcBef>
                 <a:spcPts val="0"/>
               </a:spcBef>
-              <a:buClrTx/>
               <a:buSzTx/>
               <a:buNone/>
               <a:defRPr sz="3700"/>
@@ -1314,7 +1342,6 @@
               <a:spcBef>
                 <a:spcPts val="0"/>
               </a:spcBef>
-              <a:buClrTx/>
               <a:buSzTx/>
               <a:buNone/>
               <a:defRPr sz="3700"/>
@@ -1323,7 +1350,6 @@
               <a:spcBef>
                 <a:spcPts val="0"/>
               </a:spcBef>
-              <a:buClrTx/>
               <a:buSzTx/>
               <a:buNone/>
               <a:defRPr sz="3700"/>
@@ -1332,7 +1358,6 @@
               <a:spcBef>
                 <a:spcPts val="0"/>
               </a:spcBef>
-              <a:buClrTx/>
               <a:buSzTx/>
               <a:buNone/>
               <a:defRPr sz="3700"/>
@@ -1341,7 +1366,6 @@
               <a:spcBef>
                 <a:spcPts val="0"/>
               </a:spcBef>
-              <a:buClrTx/>
               <a:buSzTx/>
               <a:buNone/>
               <a:defRPr sz="3700"/>
@@ -1538,23 +1562,7 @@
         </p:spPr>
         <p:txBody>
           <a:bodyPr/>
-          <a:lstStyle>
-            <a:lvl1pPr>
-              <a:buClrTx/>
-            </a:lvl1pPr>
-            <a:lvl2pPr>
-              <a:buClrTx/>
-            </a:lvl2pPr>
-            <a:lvl3pPr>
-              <a:buClrTx/>
-            </a:lvl3pPr>
-            <a:lvl4pPr>
-              <a:buClrTx/>
-            </a:lvl4pPr>
-            <a:lvl5pPr>
-              <a:buClrTx/>
-            </a:lvl5pPr>
-          </a:lstStyle>
+          <a:lstStyle/>
           <a:p>
             <a:pPr/>
             <a:r>
@@ -1710,35 +1718,30 @@
               <a:spcBef>
                 <a:spcPts val="3200"/>
               </a:spcBef>
-              <a:buClrTx/>
               <a:defRPr sz="2800"/>
             </a:lvl1pPr>
             <a:lvl2pPr marL="685800" indent="-342900">
               <a:spcBef>
                 <a:spcPts val="3200"/>
               </a:spcBef>
-              <a:buClrTx/>
               <a:defRPr sz="2800"/>
             </a:lvl2pPr>
             <a:lvl3pPr marL="1028700" indent="-342900">
               <a:spcBef>
                 <a:spcPts val="3200"/>
               </a:spcBef>
-              <a:buClrTx/>
               <a:defRPr sz="2800"/>
             </a:lvl3pPr>
             <a:lvl4pPr marL="1371600" indent="-342900">
               <a:spcBef>
                 <a:spcPts val="3200"/>
               </a:spcBef>
-              <a:buClrTx/>
               <a:defRPr sz="2800"/>
             </a:lvl4pPr>
             <a:lvl5pPr marL="1714500" indent="-342900">
               <a:spcBef>
                 <a:spcPts val="3200"/>
               </a:spcBef>
-              <a:buClrTx/>
               <a:defRPr sz="2800"/>
             </a:lvl5pPr>
           </a:lstStyle>
@@ -1841,23 +1844,7 @@
         </p:spPr>
         <p:txBody>
           <a:bodyPr/>
-          <a:lstStyle>
-            <a:lvl1pPr>
-              <a:buClrTx/>
-            </a:lvl1pPr>
-            <a:lvl2pPr>
-              <a:buClrTx/>
-            </a:lvl2pPr>
-            <a:lvl3pPr>
-              <a:buClrTx/>
-            </a:lvl3pPr>
-            <a:lvl4pPr>
-              <a:buClrTx/>
-            </a:lvl4pPr>
-            <a:lvl5pPr>
-              <a:buClrTx/>
-            </a:lvl5pPr>
-          </a:lstStyle>
+          <a:lstStyle/>
           <a:p>
             <a:pPr/>
             <a:r>
@@ -1975,8 +1962,8 @@
         </p:nvSpPr>
         <p:spPr>
           <a:xfrm>
-            <a:off x="6737350" y="639233"/>
-            <a:ext cx="5880100" cy="3920067"/>
+            <a:off x="6737350" y="639232"/>
+            <a:ext cx="5880100" cy="3920068"/>
           </a:xfrm>
           <a:prstGeom prst="rect">
             <a:avLst/>
@@ -2200,7 +2187,10 @@
           </a:bodyPr>
           <a:lstStyle>
             <a:lvl1pPr>
-              <a:defRPr b="0" sz="1600">
+              <a:defRPr sz="1600">
+                <a:solidFill>
+                  <a:srgbClr val="FFFFFF"/>
+                </a:solidFill>
                 <a:latin typeface="Helvetica Neue Light"/>
                 <a:ea typeface="Helvetica Neue Light"/>
                 <a:cs typeface="Helvetica Neue Light"/>
@@ -2216,7 +2206,7 @@
       </p:sp>
     </p:spTree>
   </p:cSld>
-  <p:clrMap bg1="dk1" tx1="lt1" bg2="dk2" tx2="lt2" accent1="accent1" accent2="accent2" accent3="accent3" accent4="accent4" accent5="accent5" accent6="accent6" hlink="hlink" folHlink="folHlink"/>
+  <p:clrMap bg1="lt1" tx1="dk1" bg2="lt2" tx2="dk2" accent1="accent1" accent2="accent2" accent3="accent3" accent4="accent4" accent5="accent5" accent6="accent6" hlink="hlink" folHlink="folHlink"/>
   <p:sldLayoutIdLst>
     <p:sldLayoutId id="2147483649" r:id="rId2"/>
     <p:sldLayoutId id="2147483650" r:id="rId3"/>
@@ -2254,9 +2244,9 @@
             <a:srgbClr val="FFFFFF"/>
           </a:solidFill>
           <a:uFillTx/>
-          <a:latin typeface="+mn-lt"/>
-          <a:ea typeface="+mn-ea"/>
-          <a:cs typeface="+mn-cs"/>
+          <a:latin typeface="Helvetica Neue Medium"/>
+          <a:ea typeface="Helvetica Neue Medium"/>
+          <a:cs typeface="Helvetica Neue Medium"/>
           <a:sym typeface="Helvetica Neue Medium"/>
         </a:defRPr>
       </a:lvl1pPr>
@@ -2280,9 +2270,9 @@
             <a:srgbClr val="FFFFFF"/>
           </a:solidFill>
           <a:uFillTx/>
-          <a:latin typeface="+mn-lt"/>
-          <a:ea typeface="+mn-ea"/>
-          <a:cs typeface="+mn-cs"/>
+          <a:latin typeface="Helvetica Neue Medium"/>
+          <a:ea typeface="Helvetica Neue Medium"/>
+          <a:cs typeface="Helvetica Neue Medium"/>
           <a:sym typeface="Helvetica Neue Medium"/>
         </a:defRPr>
       </a:lvl2pPr>
@@ -2306,9 +2296,9 @@
             <a:srgbClr val="FFFFFF"/>
           </a:solidFill>
           <a:uFillTx/>
-          <a:latin typeface="+mn-lt"/>
-          <a:ea typeface="+mn-ea"/>
-          <a:cs typeface="+mn-cs"/>
+          <a:latin typeface="Helvetica Neue Medium"/>
+          <a:ea typeface="Helvetica Neue Medium"/>
+          <a:cs typeface="Helvetica Neue Medium"/>
           <a:sym typeface="Helvetica Neue Medium"/>
         </a:defRPr>
       </a:lvl3pPr>
@@ -2332,9 +2322,9 @@
             <a:srgbClr val="FFFFFF"/>
           </a:solidFill>
           <a:uFillTx/>
-          <a:latin typeface="+mn-lt"/>
-          <a:ea typeface="+mn-ea"/>
-          <a:cs typeface="+mn-cs"/>
+          <a:latin typeface="Helvetica Neue Medium"/>
+          <a:ea typeface="Helvetica Neue Medium"/>
+          <a:cs typeface="Helvetica Neue Medium"/>
           <a:sym typeface="Helvetica Neue Medium"/>
         </a:defRPr>
       </a:lvl4pPr>
@@ -2358,9 +2348,9 @@
             <a:srgbClr val="FFFFFF"/>
           </a:solidFill>
           <a:uFillTx/>
-          <a:latin typeface="+mn-lt"/>
-          <a:ea typeface="+mn-ea"/>
-          <a:cs typeface="+mn-cs"/>
+          <a:latin typeface="Helvetica Neue Medium"/>
+          <a:ea typeface="Helvetica Neue Medium"/>
+          <a:cs typeface="Helvetica Neue Medium"/>
           <a:sym typeface="Helvetica Neue Medium"/>
         </a:defRPr>
       </a:lvl5pPr>
@@ -2384,9 +2374,9 @@
             <a:srgbClr val="FFFFFF"/>
           </a:solidFill>
           <a:uFillTx/>
-          <a:latin typeface="+mn-lt"/>
-          <a:ea typeface="+mn-ea"/>
-          <a:cs typeface="+mn-cs"/>
+          <a:latin typeface="Helvetica Neue Medium"/>
+          <a:ea typeface="Helvetica Neue Medium"/>
+          <a:cs typeface="Helvetica Neue Medium"/>
           <a:sym typeface="Helvetica Neue Medium"/>
         </a:defRPr>
       </a:lvl6pPr>
@@ -2410,9 +2400,9 @@
             <a:srgbClr val="FFFFFF"/>
           </a:solidFill>
           <a:uFillTx/>
-          <a:latin typeface="+mn-lt"/>
-          <a:ea typeface="+mn-ea"/>
-          <a:cs typeface="+mn-cs"/>
+          <a:latin typeface="Helvetica Neue Medium"/>
+          <a:ea typeface="Helvetica Neue Medium"/>
+          <a:cs typeface="Helvetica Neue Medium"/>
           <a:sym typeface="Helvetica Neue Medium"/>
         </a:defRPr>
       </a:lvl7pPr>
@@ -2436,9 +2426,9 @@
             <a:srgbClr val="FFFFFF"/>
           </a:solidFill>
           <a:uFillTx/>
-          <a:latin typeface="+mn-lt"/>
-          <a:ea typeface="+mn-ea"/>
-          <a:cs typeface="+mn-cs"/>
+          <a:latin typeface="Helvetica Neue Medium"/>
+          <a:ea typeface="Helvetica Neue Medium"/>
+          <a:cs typeface="Helvetica Neue Medium"/>
           <a:sym typeface="Helvetica Neue Medium"/>
         </a:defRPr>
       </a:lvl8pPr>
@@ -2462,9 +2452,9 @@
             <a:srgbClr val="FFFFFF"/>
           </a:solidFill>
           <a:uFillTx/>
-          <a:latin typeface="+mn-lt"/>
-          <a:ea typeface="+mn-ea"/>
-          <a:cs typeface="+mn-cs"/>
+          <a:latin typeface="Helvetica Neue Medium"/>
+          <a:ea typeface="Helvetica Neue Medium"/>
+          <a:cs typeface="Helvetica Neue Medium"/>
           <a:sym typeface="Helvetica Neue Medium"/>
         </a:defRPr>
       </a:lvl9pPr>
@@ -2480,9 +2470,7 @@
         <a:spcAft>
           <a:spcPts val="0"/>
         </a:spcAft>
-        <a:buClr>
-          <a:srgbClr val="FFFFFF"/>
-        </a:buClr>
+        <a:buClrTx/>
         <a:buSzPct val="145000"/>
         <a:buFontTx/>
         <a:buChar char="•"/>
@@ -2492,9 +2480,9 @@
             <a:srgbClr val="FFFFFF"/>
           </a:solidFill>
           <a:uFillTx/>
-          <a:latin typeface="Helvetica Neue"/>
-          <a:ea typeface="Helvetica Neue"/>
-          <a:cs typeface="Helvetica Neue"/>
+          <a:latin typeface="+mn-lt"/>
+          <a:ea typeface="+mn-ea"/>
+          <a:cs typeface="+mn-cs"/>
           <a:sym typeface="Helvetica Neue"/>
         </a:defRPr>
       </a:lvl1pPr>
@@ -2508,9 +2496,7 @@
         <a:spcAft>
           <a:spcPts val="0"/>
         </a:spcAft>
-        <a:buClr>
-          <a:srgbClr val="FFFFFF"/>
-        </a:buClr>
+        <a:buClrTx/>
         <a:buSzPct val="145000"/>
         <a:buFontTx/>
         <a:buChar char="•"/>
@@ -2520,9 +2506,9 @@
             <a:srgbClr val="FFFFFF"/>
           </a:solidFill>
           <a:uFillTx/>
-          <a:latin typeface="Helvetica Neue"/>
-          <a:ea typeface="Helvetica Neue"/>
-          <a:cs typeface="Helvetica Neue"/>
+          <a:latin typeface="+mn-lt"/>
+          <a:ea typeface="+mn-ea"/>
+          <a:cs typeface="+mn-cs"/>
           <a:sym typeface="Helvetica Neue"/>
         </a:defRPr>
       </a:lvl2pPr>
@@ -2536,9 +2522,7 @@
         <a:spcAft>
           <a:spcPts val="0"/>
         </a:spcAft>
-        <a:buClr>
-          <a:srgbClr val="FFFFFF"/>
-        </a:buClr>
+        <a:buClrTx/>
         <a:buSzPct val="145000"/>
         <a:buFontTx/>
         <a:buChar char="•"/>
@@ -2548,9 +2532,9 @@
             <a:srgbClr val="FFFFFF"/>
           </a:solidFill>
           <a:uFillTx/>
-          <a:latin typeface="Helvetica Neue"/>
-          <a:ea typeface="Helvetica Neue"/>
-          <a:cs typeface="Helvetica Neue"/>
+          <a:latin typeface="+mn-lt"/>
+          <a:ea typeface="+mn-ea"/>
+          <a:cs typeface="+mn-cs"/>
           <a:sym typeface="Helvetica Neue"/>
         </a:defRPr>
       </a:lvl3pPr>
@@ -2564,9 +2548,7 @@
         <a:spcAft>
           <a:spcPts val="0"/>
         </a:spcAft>
-        <a:buClr>
-          <a:srgbClr val="FFFFFF"/>
-        </a:buClr>
+        <a:buClrTx/>
         <a:buSzPct val="145000"/>
         <a:buFontTx/>
         <a:buChar char="•"/>
@@ -2576,9 +2558,9 @@
             <a:srgbClr val="FFFFFF"/>
           </a:solidFill>
           <a:uFillTx/>
-          <a:latin typeface="Helvetica Neue"/>
-          <a:ea typeface="Helvetica Neue"/>
-          <a:cs typeface="Helvetica Neue"/>
+          <a:latin typeface="+mn-lt"/>
+          <a:ea typeface="+mn-ea"/>
+          <a:cs typeface="+mn-cs"/>
           <a:sym typeface="Helvetica Neue"/>
         </a:defRPr>
       </a:lvl4pPr>
@@ -2592,9 +2574,7 @@
         <a:spcAft>
           <a:spcPts val="0"/>
         </a:spcAft>
-        <a:buClr>
-          <a:srgbClr val="FFFFFF"/>
-        </a:buClr>
+        <a:buClrTx/>
         <a:buSzPct val="145000"/>
         <a:buFontTx/>
         <a:buChar char="•"/>
@@ -2604,9 +2584,9 @@
             <a:srgbClr val="FFFFFF"/>
           </a:solidFill>
           <a:uFillTx/>
-          <a:latin typeface="Helvetica Neue"/>
-          <a:ea typeface="Helvetica Neue"/>
-          <a:cs typeface="Helvetica Neue"/>
+          <a:latin typeface="+mn-lt"/>
+          <a:ea typeface="+mn-ea"/>
+          <a:cs typeface="+mn-cs"/>
           <a:sym typeface="Helvetica Neue"/>
         </a:defRPr>
       </a:lvl5pPr>
@@ -2620,9 +2600,7 @@
         <a:spcAft>
           <a:spcPts val="0"/>
         </a:spcAft>
-        <a:buClr>
-          <a:srgbClr val="FFFFFF"/>
-        </a:buClr>
+        <a:buClrTx/>
         <a:buSzPct val="145000"/>
         <a:buFontTx/>
         <a:buChar char="•"/>
@@ -2632,9 +2610,9 @@
             <a:srgbClr val="FFFFFF"/>
           </a:solidFill>
           <a:uFillTx/>
-          <a:latin typeface="Helvetica Neue"/>
-          <a:ea typeface="Helvetica Neue"/>
-          <a:cs typeface="Helvetica Neue"/>
+          <a:latin typeface="+mn-lt"/>
+          <a:ea typeface="+mn-ea"/>
+          <a:cs typeface="+mn-cs"/>
           <a:sym typeface="Helvetica Neue"/>
         </a:defRPr>
       </a:lvl6pPr>
@@ -2648,9 +2626,7 @@
         <a:spcAft>
           <a:spcPts val="0"/>
         </a:spcAft>
-        <a:buClr>
-          <a:srgbClr val="FFFFFF"/>
-        </a:buClr>
+        <a:buClrTx/>
         <a:buSzPct val="145000"/>
         <a:buFontTx/>
         <a:buChar char="•"/>
@@ -2660,9 +2636,9 @@
             <a:srgbClr val="FFFFFF"/>
           </a:solidFill>
           <a:uFillTx/>
-          <a:latin typeface="Helvetica Neue"/>
-          <a:ea typeface="Helvetica Neue"/>
-          <a:cs typeface="Helvetica Neue"/>
+          <a:latin typeface="+mn-lt"/>
+          <a:ea typeface="+mn-ea"/>
+          <a:cs typeface="+mn-cs"/>
           <a:sym typeface="Helvetica Neue"/>
         </a:defRPr>
       </a:lvl7pPr>
@@ -2676,9 +2652,7 @@
         <a:spcAft>
           <a:spcPts val="0"/>
         </a:spcAft>
-        <a:buClr>
-          <a:srgbClr val="FFFFFF"/>
-        </a:buClr>
+        <a:buClrTx/>
         <a:buSzPct val="145000"/>
         <a:buFontTx/>
         <a:buChar char="•"/>
@@ -2688,9 +2662,9 @@
             <a:srgbClr val="FFFFFF"/>
           </a:solidFill>
           <a:uFillTx/>
-          <a:latin typeface="Helvetica Neue"/>
-          <a:ea typeface="Helvetica Neue"/>
-          <a:cs typeface="Helvetica Neue"/>
+          <a:latin typeface="+mn-lt"/>
+          <a:ea typeface="+mn-ea"/>
+          <a:cs typeface="+mn-cs"/>
           <a:sym typeface="Helvetica Neue"/>
         </a:defRPr>
       </a:lvl8pPr>
@@ -2704,9 +2678,7 @@
         <a:spcAft>
           <a:spcPts val="0"/>
         </a:spcAft>
-        <a:buClr>
-          <a:srgbClr val="FFFFFF"/>
-        </a:buClr>
+        <a:buClrTx/>
         <a:buSzPct val="145000"/>
         <a:buFontTx/>
         <a:buChar char="•"/>
@@ -2716,15 +2688,15 @@
             <a:srgbClr val="FFFFFF"/>
           </a:solidFill>
           <a:uFillTx/>
-          <a:latin typeface="Helvetica Neue"/>
-          <a:ea typeface="Helvetica Neue"/>
-          <a:cs typeface="Helvetica Neue"/>
+          <a:latin typeface="+mn-lt"/>
+          <a:ea typeface="+mn-ea"/>
+          <a:cs typeface="+mn-cs"/>
           <a:sym typeface="Helvetica Neue"/>
         </a:defRPr>
       </a:lvl9pPr>
     </p:bodyStyle>
     <p:otherStyle>
-      <a:lvl1pPr marL="0" marR="0" indent="0" algn="ctr" defTabSz="584200" latinLnBrk="0">
+      <a:lvl1pPr marL="0" marR="0" indent="0" algn="ctr" defTabSz="584200" rtl="0" latinLnBrk="0">
         <a:lnSpc>
           <a:spcPct val="100000"/>
         </a:lnSpc>
@@ -2750,7 +2722,7 @@
           <a:sym typeface="Helvetica Neue Light"/>
         </a:defRPr>
       </a:lvl1pPr>
-      <a:lvl2pPr marL="0" marR="0" indent="228600" algn="ctr" defTabSz="584200" latinLnBrk="0">
+      <a:lvl2pPr marL="0" marR="0" indent="0" algn="ctr" defTabSz="584200" rtl="0" latinLnBrk="0">
         <a:lnSpc>
           <a:spcPct val="100000"/>
         </a:lnSpc>
@@ -2776,7 +2748,7 @@
           <a:sym typeface="Helvetica Neue Light"/>
         </a:defRPr>
       </a:lvl2pPr>
-      <a:lvl3pPr marL="0" marR="0" indent="457200" algn="ctr" defTabSz="584200" latinLnBrk="0">
+      <a:lvl3pPr marL="0" marR="0" indent="0" algn="ctr" defTabSz="584200" rtl="0" latinLnBrk="0">
         <a:lnSpc>
           <a:spcPct val="100000"/>
         </a:lnSpc>
@@ -2802,7 +2774,7 @@
           <a:sym typeface="Helvetica Neue Light"/>
         </a:defRPr>
       </a:lvl3pPr>
-      <a:lvl4pPr marL="0" marR="0" indent="685800" algn="ctr" defTabSz="584200" latinLnBrk="0">
+      <a:lvl4pPr marL="0" marR="0" indent="0" algn="ctr" defTabSz="584200" rtl="0" latinLnBrk="0">
         <a:lnSpc>
           <a:spcPct val="100000"/>
         </a:lnSpc>
@@ -2828,7 +2800,7 @@
           <a:sym typeface="Helvetica Neue Light"/>
         </a:defRPr>
       </a:lvl4pPr>
-      <a:lvl5pPr marL="0" marR="0" indent="914400" algn="ctr" defTabSz="584200" latinLnBrk="0">
+      <a:lvl5pPr marL="0" marR="0" indent="0" algn="ctr" defTabSz="584200" rtl="0" latinLnBrk="0">
         <a:lnSpc>
           <a:spcPct val="100000"/>
         </a:lnSpc>
@@ -2854,7 +2826,7 @@
           <a:sym typeface="Helvetica Neue Light"/>
         </a:defRPr>
       </a:lvl5pPr>
-      <a:lvl6pPr marL="0" marR="0" indent="1143000" algn="ctr" defTabSz="584200" latinLnBrk="0">
+      <a:lvl6pPr marL="0" marR="0" indent="0" algn="ctr" defTabSz="584200" rtl="0" latinLnBrk="0">
         <a:lnSpc>
           <a:spcPct val="100000"/>
         </a:lnSpc>
@@ -2880,7 +2852,7 @@
           <a:sym typeface="Helvetica Neue Light"/>
         </a:defRPr>
       </a:lvl6pPr>
-      <a:lvl7pPr marL="0" marR="0" indent="1371600" algn="ctr" defTabSz="584200" latinLnBrk="0">
+      <a:lvl7pPr marL="0" marR="0" indent="0" algn="ctr" defTabSz="584200" rtl="0" latinLnBrk="0">
         <a:lnSpc>
           <a:spcPct val="100000"/>
         </a:lnSpc>
@@ -2906,7 +2878,7 @@
           <a:sym typeface="Helvetica Neue Light"/>
         </a:defRPr>
       </a:lvl7pPr>
-      <a:lvl8pPr marL="0" marR="0" indent="1600200" algn="ctr" defTabSz="584200" latinLnBrk="0">
+      <a:lvl8pPr marL="0" marR="0" indent="0" algn="ctr" defTabSz="584200" rtl="0" latinLnBrk="0">
         <a:lnSpc>
           <a:spcPct val="100000"/>
         </a:lnSpc>
@@ -2932,7 +2904,7 @@
           <a:sym typeface="Helvetica Neue Light"/>
         </a:defRPr>
       </a:lvl8pPr>
-      <a:lvl9pPr marL="0" marR="0" indent="1828800" algn="ctr" defTabSz="584200" latinLnBrk="0">
+      <a:lvl9pPr marL="0" marR="0" indent="0" algn="ctr" defTabSz="584200" rtl="0" latinLnBrk="0">
         <a:lnSpc>
           <a:spcPct val="100000"/>
         </a:lnSpc>
@@ -2988,8 +2960,8 @@
         </p:nvSpPr>
         <p:spPr>
           <a:xfrm>
-            <a:off x="5276799" y="4646270"/>
-            <a:ext cx="2451202" cy="461060"/>
+            <a:off x="5276798" y="4646269"/>
+            <a:ext cx="2451203" cy="461060"/>
           </a:xfrm>
           <a:prstGeom prst="rect">
             <a:avLst/>
@@ -3007,7 +2979,19 @@
           <a:bodyPr wrap="none" lIns="50800" tIns="50800" rIns="50800" bIns="50800" anchor="ctr">
             <a:spAutoFit/>
           </a:bodyPr>
-          <a:lstStyle/>
+          <a:lstStyle>
+            <a:lvl1pPr>
+              <a:defRPr b="1">
+                <a:solidFill>
+                  <a:srgbClr val="FFFFFF"/>
+                </a:solidFill>
+                <a:latin typeface="+mn-lt"/>
+                <a:ea typeface="+mn-ea"/>
+                <a:cs typeface="+mn-cs"/>
+                <a:sym typeface="Helvetica Neue"/>
+              </a:defRPr>
+            </a:lvl1pPr>
+          </a:lstStyle>
           <a:p>
             <a:pPr/>
             <a:r>
@@ -3016,6 +3000,61 @@
           </a:p>
         </p:txBody>
       </p:sp>
+    </p:spTree>
+  </p:cSld>
+  <p:clrMapOvr>
+    <a:masterClrMapping/>
+  </p:clrMapOvr>
+  <p:transition xmlns:p14="http://schemas.microsoft.com/office/powerpoint/2010/main" spd="med" advClick="1"/>
+</p:sld>
+</file>
+
+<file path=ppt/slides/slide10.xml><?xml version="1.0" encoding="utf-8"?>
+<p:sld xmlns:a="http://schemas.openxmlformats.org/drawingml/2006/main" xmlns:r="http://schemas.openxmlformats.org/officeDocument/2006/relationships" xmlns:p="http://schemas.openxmlformats.org/presentationml/2006/main" xmlns:m="http://schemas.openxmlformats.org/officeDocument/2006/math" xmlns:a14="http://schemas.microsoft.com/office/drawing/2010/main" showMasterSp="1" showMasterPhAnim="1">
+  <p:cSld>
+    <p:spTree>
+      <p:nvGrpSpPr>
+        <p:cNvPr id="1" name=""/>
+        <p:cNvGrpSpPr/>
+        <p:nvPr/>
+      </p:nvGrpSpPr>
+      <p:grpSpPr>
+        <a:xfrm>
+          <a:off x="0" y="0"/>
+          <a:ext cx="0" cy="0"/>
+          <a:chOff x="0" y="0"/>
+          <a:chExt cx="0" cy="0"/>
+        </a:xfrm>
+      </p:grpSpPr>
+      <p:pic>
+        <p:nvPicPr>
+          <p:cNvPr id="141" name="Screen Shot 2019-12-10 at 7.43.22 PM.png" descr="Screen Shot 2019-12-10 at 7.43.22 PM.png"/>
+          <p:cNvPicPr>
+            <a:picLocks noChangeAspect="1"/>
+          </p:cNvPicPr>
+          <p:nvPr/>
+        </p:nvPicPr>
+        <p:blipFill>
+          <a:blip r:embed="rId2">
+            <a:extLst/>
+          </a:blip>
+          <a:stretch>
+            <a:fillRect/>
+          </a:stretch>
+        </p:blipFill>
+        <p:spPr>
+          <a:xfrm>
+            <a:off x="0" y="1965112"/>
+            <a:ext cx="13004800" cy="5823376"/>
+          </a:xfrm>
+          <a:prstGeom prst="rect">
+            <a:avLst/>
+          </a:prstGeom>
+          <a:ln w="12700">
+            <a:miter lim="400000"/>
+          </a:ln>
+        </p:spPr>
+      </p:pic>
     </p:spTree>
   </p:cSld>
   <p:clrMapOvr>
@@ -3044,7 +3083,7 @@
       </p:grpSpPr>
       <p:pic>
         <p:nvPicPr>
-          <p:cNvPr id="121" name="Screen Shot 2019-12-10 at 7.41.37 PM.png" descr="Screen Shot 2019-12-10 at 7.41.37 PM.png"/>
+          <p:cNvPr id="121" name="Screen Shot 2019-12-10 at 7.59.48 PM.png" descr="Screen Shot 2019-12-10 at 7.59.48 PM.png"/>
           <p:cNvPicPr>
             <a:picLocks noChangeAspect="1"/>
           </p:cNvPicPr>
@@ -3060,8 +3099,8 @@
         </p:blipFill>
         <p:spPr>
           <a:xfrm>
-            <a:off x="0" y="1082345"/>
-            <a:ext cx="13004800" cy="5833036"/>
+            <a:off x="0" y="3256735"/>
+            <a:ext cx="13004800" cy="3240130"/>
           </a:xfrm>
           <a:prstGeom prst="rect">
             <a:avLst/>
@@ -3099,7 +3138,7 @@
       </p:grpSpPr>
       <p:pic>
         <p:nvPicPr>
-          <p:cNvPr id="123" name="Screen Shot 2019-12-10 at 7.41.49 PM.png" descr="Screen Shot 2019-12-10 at 7.41.49 PM.png"/>
+          <p:cNvPr id="123" name="Screen Shot 2019-12-10 at 7.59.41 PM.png" descr="Screen Shot 2019-12-10 at 7.59.41 PM.png"/>
           <p:cNvPicPr>
             <a:picLocks noChangeAspect="1"/>
           </p:cNvPicPr>
@@ -3115,8 +3154,8 @@
         </p:blipFill>
         <p:spPr>
           <a:xfrm>
-            <a:off x="0" y="1212824"/>
-            <a:ext cx="13004800" cy="5837091"/>
+            <a:off x="0" y="3250282"/>
+            <a:ext cx="13004800" cy="3253036"/>
           </a:xfrm>
           <a:prstGeom prst="rect">
             <a:avLst/>
@@ -3154,7 +3193,7 @@
       </p:grpSpPr>
       <p:pic>
         <p:nvPicPr>
-          <p:cNvPr id="125" name="Screen Shot 2019-12-10 at 7.41.58 PM.png" descr="Screen Shot 2019-12-10 at 7.41.58 PM.png"/>
+          <p:cNvPr id="125" name="Screen Shot 2019-12-10 at 7.41.37 PM.png" descr="Screen Shot 2019-12-10 at 7.41.37 PM.png"/>
           <p:cNvPicPr>
             <a:picLocks noChangeAspect="1"/>
           </p:cNvPicPr>
@@ -3170,66 +3209,8 @@
         </p:blipFill>
         <p:spPr>
           <a:xfrm>
-            <a:off x="0" y="-32325"/>
-            <a:ext cx="13004800" cy="3262272"/>
-          </a:xfrm>
-          <a:prstGeom prst="rect">
-            <a:avLst/>
-          </a:prstGeom>
-          <a:ln w="12700">
-            <a:miter lim="400000"/>
-          </a:ln>
-        </p:spPr>
-      </p:pic>
-      <p:pic>
-        <p:nvPicPr>
-          <p:cNvPr id="126" name="Screen Shot 2019-12-10 at 7.42.10 PM.png" descr="Screen Shot 2019-12-10 at 7.42.10 PM.png"/>
-          <p:cNvPicPr>
-            <a:picLocks noChangeAspect="1"/>
-          </p:cNvPicPr>
-          <p:nvPr/>
-        </p:nvPicPr>
-        <p:blipFill>
-          <a:blip r:embed="rId3">
-            <a:extLst/>
-          </a:blip>
-          <a:stretch>
-            <a:fillRect/>
-          </a:stretch>
-        </p:blipFill>
-        <p:spPr>
-          <a:xfrm>
-            <a:off x="0" y="3330663"/>
-            <a:ext cx="13004800" cy="3280690"/>
-          </a:xfrm>
-          <a:prstGeom prst="rect">
-            <a:avLst/>
-          </a:prstGeom>
-          <a:ln w="12700">
-            <a:miter lim="400000"/>
-          </a:ln>
-        </p:spPr>
-      </p:pic>
-      <p:pic>
-        <p:nvPicPr>
-          <p:cNvPr id="127" name="Screen Shot 2019-12-10 at 7.42.23 PM.png" descr="Screen Shot 2019-12-10 at 7.42.23 PM.png"/>
-          <p:cNvPicPr>
-            <a:picLocks noChangeAspect="1"/>
-          </p:cNvPicPr>
-          <p:nvPr/>
-        </p:nvPicPr>
-        <p:blipFill>
-          <a:blip r:embed="rId4">
-            <a:extLst/>
-          </a:blip>
-          <a:stretch>
-            <a:fillRect/>
-          </a:stretch>
-        </p:blipFill>
-        <p:spPr>
-          <a:xfrm>
-            <a:off x="-25850" y="6712069"/>
-            <a:ext cx="13056500" cy="3262272"/>
+            <a:off x="0" y="1960282"/>
+            <a:ext cx="13004800" cy="5833036"/>
           </a:xfrm>
           <a:prstGeom prst="rect">
             <a:avLst/>
@@ -3267,7 +3248,7 @@
       </p:grpSpPr>
       <p:pic>
         <p:nvPicPr>
-          <p:cNvPr id="129" name="Screen Shot 2019-12-10 at 7.42.33 PM.png" descr="Screen Shot 2019-12-10 at 7.42.33 PM.png"/>
+          <p:cNvPr id="127" name="Screen Shot 2019-12-10 at 7.41.49 PM.png" descr="Screen Shot 2019-12-10 at 7.41.49 PM.png"/>
           <p:cNvPicPr>
             <a:picLocks noChangeAspect="1"/>
           </p:cNvPicPr>
@@ -3283,37 +3264,8 @@
         </p:blipFill>
         <p:spPr>
           <a:xfrm>
-            <a:off x="0" y="754825"/>
-            <a:ext cx="13004800" cy="3253049"/>
-          </a:xfrm>
-          <a:prstGeom prst="rect">
-            <a:avLst/>
-          </a:prstGeom>
-          <a:ln w="12700">
-            <a:miter lim="400000"/>
-          </a:ln>
-        </p:spPr>
-      </p:pic>
-      <p:pic>
-        <p:nvPicPr>
-          <p:cNvPr id="130" name="Screen Shot 2019-12-10 at 7.42.42 PM.png" descr="Screen Shot 2019-12-10 at 7.42.42 PM.png"/>
-          <p:cNvPicPr>
-            <a:picLocks noChangeAspect="1"/>
-          </p:cNvPicPr>
-          <p:nvPr/>
-        </p:nvPicPr>
-        <p:blipFill>
-          <a:blip r:embed="rId3">
-            <a:extLst/>
-          </a:blip>
-          <a:stretch>
-            <a:fillRect/>
-          </a:stretch>
-        </p:blipFill>
-        <p:spPr>
-          <a:xfrm>
-            <a:off x="0" y="5097949"/>
-            <a:ext cx="13004800" cy="3275230"/>
+            <a:off x="0" y="1958254"/>
+            <a:ext cx="13004800" cy="5837092"/>
           </a:xfrm>
           <a:prstGeom prst="rect">
             <a:avLst/>
@@ -3351,7 +3303,7 @@
       </p:grpSpPr>
       <p:pic>
         <p:nvPicPr>
-          <p:cNvPr id="132" name="Screen Shot 2019-12-10 at 7.42.56 PM.png" descr="Screen Shot 2019-12-10 at 7.42.56 PM.png"/>
+          <p:cNvPr id="129" name="Screen Shot 2019-12-10 at 7.41.58 PM.png" descr="Screen Shot 2019-12-10 at 7.41.58 PM.png"/>
           <p:cNvPicPr>
             <a:picLocks noChangeAspect="1"/>
           </p:cNvPicPr>
@@ -3367,8 +3319,8 @@
         </p:blipFill>
         <p:spPr>
           <a:xfrm>
-            <a:off x="0" y="879328"/>
-            <a:ext cx="13004800" cy="3264095"/>
+            <a:off x="0" y="-32326"/>
+            <a:ext cx="13004800" cy="3262274"/>
           </a:xfrm>
           <a:prstGeom prst="rect">
             <a:avLst/>
@@ -3380,7 +3332,7 @@
       </p:pic>
       <p:pic>
         <p:nvPicPr>
-          <p:cNvPr id="133" name="Screen Shot 2019-12-10 at 7.43.04 PM.png" descr="Screen Shot 2019-12-10 at 7.43.04 PM.png"/>
+          <p:cNvPr id="130" name="Screen Shot 2019-12-10 at 7.42.10 PM.png" descr="Screen Shot 2019-12-10 at 7.42.10 PM.png"/>
           <p:cNvPicPr>
             <a:picLocks noChangeAspect="1"/>
           </p:cNvPicPr>
@@ -3396,8 +3348,37 @@
         </p:blipFill>
         <p:spPr>
           <a:xfrm>
-            <a:off x="0" y="5269926"/>
-            <a:ext cx="13004800" cy="3223476"/>
+            <a:off x="0" y="3330662"/>
+            <a:ext cx="13004800" cy="3280692"/>
+          </a:xfrm>
+          <a:prstGeom prst="rect">
+            <a:avLst/>
+          </a:prstGeom>
+          <a:ln w="12700">
+            <a:miter lim="400000"/>
+          </a:ln>
+        </p:spPr>
+      </p:pic>
+      <p:pic>
+        <p:nvPicPr>
+          <p:cNvPr id="131" name="Screen Shot 2019-12-10 at 7.42.23 PM.png" descr="Screen Shot 2019-12-10 at 7.42.23 PM.png"/>
+          <p:cNvPicPr>
+            <a:picLocks noChangeAspect="1"/>
+          </p:cNvPicPr>
+          <p:nvPr/>
+        </p:nvPicPr>
+        <p:blipFill>
+          <a:blip r:embed="rId4">
+            <a:extLst/>
+          </a:blip>
+          <a:stretch>
+            <a:fillRect/>
+          </a:stretch>
+        </p:blipFill>
+        <p:spPr>
+          <a:xfrm>
+            <a:off x="-25850" y="6712069"/>
+            <a:ext cx="13056501" cy="3262273"/>
           </a:xfrm>
           <a:prstGeom prst="rect">
             <a:avLst/>
@@ -3435,7 +3416,7 @@
       </p:grpSpPr>
       <p:pic>
         <p:nvPicPr>
-          <p:cNvPr id="135" name="Screen Shot 2019-12-10 at 7.43.13 PM.png" descr="Screen Shot 2019-12-10 at 7.43.13 PM.png"/>
+          <p:cNvPr id="133" name="Screen Shot 2019-12-10 at 7.42.33 PM.png" descr="Screen Shot 2019-12-10 at 7.42.33 PM.png"/>
           <p:cNvPicPr>
             <a:picLocks noChangeAspect="1"/>
           </p:cNvPicPr>
@@ -3451,8 +3432,37 @@
         </p:blipFill>
         <p:spPr>
           <a:xfrm>
-            <a:off x="0" y="2423327"/>
-            <a:ext cx="13004800" cy="3256740"/>
+            <a:off x="0" y="754825"/>
+            <a:ext cx="13004800" cy="3253050"/>
+          </a:xfrm>
+          <a:prstGeom prst="rect">
+            <a:avLst/>
+          </a:prstGeom>
+          <a:ln w="12700">
+            <a:miter lim="400000"/>
+          </a:ln>
+        </p:spPr>
+      </p:pic>
+      <p:pic>
+        <p:nvPicPr>
+          <p:cNvPr id="134" name="Screen Shot 2019-12-10 at 7.42.42 PM.png" descr="Screen Shot 2019-12-10 at 7.42.42 PM.png"/>
+          <p:cNvPicPr>
+            <a:picLocks noChangeAspect="1"/>
+          </p:cNvPicPr>
+          <p:nvPr/>
+        </p:nvPicPr>
+        <p:blipFill>
+          <a:blip r:embed="rId3">
+            <a:extLst/>
+          </a:blip>
+          <a:stretch>
+            <a:fillRect/>
+          </a:stretch>
+        </p:blipFill>
+        <p:spPr>
+          <a:xfrm>
+            <a:off x="0" y="5097948"/>
+            <a:ext cx="13004800" cy="3275231"/>
           </a:xfrm>
           <a:prstGeom prst="rect">
             <a:avLst/>
@@ -3490,7 +3500,7 @@
       </p:grpSpPr>
       <p:pic>
         <p:nvPicPr>
-          <p:cNvPr id="137" name="Screen Shot 2019-12-10 at 7.43.22 PM.png" descr="Screen Shot 2019-12-10 at 7.43.22 PM.png"/>
+          <p:cNvPr id="136" name="Screen Shot 2019-12-10 at 7.42.56 PM.png" descr="Screen Shot 2019-12-10 at 7.42.56 PM.png"/>
           <p:cNvPicPr>
             <a:picLocks noChangeAspect="1"/>
           </p:cNvPicPr>
@@ -3506,8 +3516,92 @@
         </p:blipFill>
         <p:spPr>
           <a:xfrm>
-            <a:off x="0" y="1306151"/>
-            <a:ext cx="13004800" cy="5823376"/>
+            <a:off x="0" y="879328"/>
+            <a:ext cx="13004800" cy="3264095"/>
+          </a:xfrm>
+          <a:prstGeom prst="rect">
+            <a:avLst/>
+          </a:prstGeom>
+          <a:ln w="12700">
+            <a:miter lim="400000"/>
+          </a:ln>
+        </p:spPr>
+      </p:pic>
+      <p:pic>
+        <p:nvPicPr>
+          <p:cNvPr id="137" name="Screen Shot 2019-12-10 at 7.43.04 PM.png" descr="Screen Shot 2019-12-10 at 7.43.04 PM.png"/>
+          <p:cNvPicPr>
+            <a:picLocks noChangeAspect="1"/>
+          </p:cNvPicPr>
+          <p:nvPr/>
+        </p:nvPicPr>
+        <p:blipFill>
+          <a:blip r:embed="rId3">
+            <a:extLst/>
+          </a:blip>
+          <a:stretch>
+            <a:fillRect/>
+          </a:stretch>
+        </p:blipFill>
+        <p:spPr>
+          <a:xfrm>
+            <a:off x="0" y="5269926"/>
+            <a:ext cx="13004800" cy="3223476"/>
+          </a:xfrm>
+          <a:prstGeom prst="rect">
+            <a:avLst/>
+          </a:prstGeom>
+          <a:ln w="12700">
+            <a:miter lim="400000"/>
+          </a:ln>
+        </p:spPr>
+      </p:pic>
+    </p:spTree>
+  </p:cSld>
+  <p:clrMapOvr>
+    <a:masterClrMapping/>
+  </p:clrMapOvr>
+  <p:transition xmlns:p14="http://schemas.microsoft.com/office/powerpoint/2010/main" spd="med" advClick="1"/>
+</p:sld>
+</file>
+
+<file path=ppt/slides/slide9.xml><?xml version="1.0" encoding="utf-8"?>
+<p:sld xmlns:a="http://schemas.openxmlformats.org/drawingml/2006/main" xmlns:r="http://schemas.openxmlformats.org/officeDocument/2006/relationships" xmlns:p="http://schemas.openxmlformats.org/presentationml/2006/main" xmlns:m="http://schemas.openxmlformats.org/officeDocument/2006/math" xmlns:a14="http://schemas.microsoft.com/office/drawing/2010/main" showMasterSp="1" showMasterPhAnim="1">
+  <p:cSld>
+    <p:spTree>
+      <p:nvGrpSpPr>
+        <p:cNvPr id="1" name=""/>
+        <p:cNvGrpSpPr/>
+        <p:nvPr/>
+      </p:nvGrpSpPr>
+      <p:grpSpPr>
+        <a:xfrm>
+          <a:off x="0" y="0"/>
+          <a:ext cx="0" cy="0"/>
+          <a:chOff x="0" y="0"/>
+          <a:chExt cx="0" cy="0"/>
+        </a:xfrm>
+      </p:grpSpPr>
+      <p:pic>
+        <p:nvPicPr>
+          <p:cNvPr id="139" name="Screen Shot 2019-12-10 at 7.43.13 PM.png" descr="Screen Shot 2019-12-10 at 7.43.13 PM.png"/>
+          <p:cNvPicPr>
+            <a:picLocks noChangeAspect="1"/>
+          </p:cNvPicPr>
+          <p:nvPr/>
+        </p:nvPicPr>
+        <p:blipFill>
+          <a:blip r:embed="rId2">
+            <a:extLst/>
+          </a:blip>
+          <a:stretch>
+            <a:fillRect/>
+          </a:stretch>
+        </p:blipFill>
+        <p:spPr>
+          <a:xfrm>
+            <a:off x="0" y="3248430"/>
+            <a:ext cx="13004800" cy="3256740"/>
           </a:xfrm>
           <a:prstGeom prst="rect">
             <a:avLst/>
@@ -3534,13 +3628,13 @@
         <a:srgbClr val="000000"/>
       </a:dk1>
       <a:lt1>
-        <a:srgbClr val="FFFFFF"/>
+        <a:srgbClr val="000000"/>
       </a:lt1>
       <a:dk2>
-        <a:srgbClr val="434343"/>
+        <a:srgbClr val="A7A7A7"/>
       </a:dk2>
       <a:lt2>
-        <a:srgbClr val="A9A9A9"/>
+        <a:srgbClr val="535353"/>
       </a:lt2>
       <a:accent1>
         <a:srgbClr val="0076BA"/>
@@ -3569,14 +3663,14 @@
     </a:clrScheme>
     <a:fontScheme name="Black">
       <a:majorFont>
-        <a:latin typeface="Helvetica Neue Medium"/>
-        <a:ea typeface="Helvetica Neue Medium"/>
-        <a:cs typeface="Helvetica Neue Medium"/>
+        <a:latin typeface="Helvetica"/>
+        <a:ea typeface="Helvetica"/>
+        <a:cs typeface="Helvetica"/>
       </a:majorFont>
       <a:minorFont>
-        <a:latin typeface="Helvetica Neue Medium"/>
-        <a:ea typeface="Helvetica Neue Medium"/>
-        <a:cs typeface="Helvetica Neue Medium"/>
+        <a:latin typeface="Helvetica Neue"/>
+        <a:ea typeface="Helvetica Neue"/>
+        <a:cs typeface="Helvetica Neue"/>
       </a:minorFont>
     </a:fontScheme>
     <a:fmtScheme name="Black">
@@ -3717,13 +3811,14 @@
     <a:spDef>
       <a:spPr>
         <a:solidFill>
-          <a:schemeClr val="accent1">
-            <a:lumOff val="13529"/>
-          </a:schemeClr>
+          <a:srgbClr val="FFFFFF"/>
         </a:solidFill>
-        <a:ln w="12700" cap="flat">
-          <a:noFill/>
-          <a:miter lim="400000"/>
+        <a:ln w="25400" cap="flat">
+          <a:solidFill>
+            <a:schemeClr val="accent1"/>
+          </a:solidFill>
+          <a:prstDash val="solid"/>
+          <a:round/>
         </a:ln>
         <a:effectLst/>
         <a:sp3d/>
@@ -3747,18 +3842,18 @@
           <a:buFontTx/>
           <a:buNone/>
           <a:tabLst/>
-          <a:defRPr b="0" baseline="0" cap="none" i="0" spc="0" strike="noStrike" sz="2200" u="none" kumimoji="0" normalizeH="0">
-            <a:ln>
-              <a:noFill/>
-            </a:ln>
-            <a:solidFill>
-              <a:srgbClr val="FFFFFF"/>
-            </a:solidFill>
-            <a:effectLst/>
-            <a:uFillTx/>
-            <a:latin typeface="+mn-lt"/>
-            <a:ea typeface="+mn-ea"/>
-            <a:cs typeface="+mn-cs"/>
+          <a:defRPr b="0" baseline="0" cap="none" i="0" spc="0" strike="noStrike" sz="2400" u="none" kumimoji="0" normalizeH="0">
+            <a:ln>
+              <a:noFill/>
+            </a:ln>
+            <a:solidFill>
+              <a:srgbClr val="000000"/>
+            </a:solidFill>
+            <a:effectLst/>
+            <a:uFillTx/>
+            <a:latin typeface="Helvetica Neue Medium"/>
+            <a:ea typeface="Helvetica Neue Medium"/>
+            <a:cs typeface="Helvetica Neue Medium"/>
             <a:sym typeface="Helvetica Neue Medium"/>
           </a:defRPr>
         </a:defPPr>
@@ -4009,10 +4104,10 @@
         <a:noFill/>
         <a:ln w="25400" cap="flat">
           <a:solidFill>
-            <a:srgbClr val="FFFFFF"/>
+            <a:schemeClr val="accent1"/>
           </a:solidFill>
           <a:prstDash val="solid"/>
-          <a:miter lim="400000"/>
+          <a:round/>
         </a:ln>
         <a:effectLst/>
         <a:sp3d/>
@@ -4318,19 +4413,19 @@
           <a:buFontTx/>
           <a:buNone/>
           <a:tabLst/>
-          <a:defRPr b="1" baseline="0" cap="none" i="0" spc="0" strike="noStrike" sz="2400" u="none" kumimoji="0" normalizeH="0">
-            <a:ln>
-              <a:noFill/>
-            </a:ln>
-            <a:solidFill>
-              <a:srgbClr val="FFFFFF"/>
-            </a:solidFill>
-            <a:effectLst/>
-            <a:uFillTx/>
-            <a:latin typeface="Helvetica Neue"/>
-            <a:ea typeface="Helvetica Neue"/>
-            <a:cs typeface="Helvetica Neue"/>
-            <a:sym typeface="Helvetica Neue"/>
+          <a:defRPr b="0" baseline="0" cap="none" i="0" spc="0" strike="noStrike" sz="2400" u="none" kumimoji="0" normalizeH="0">
+            <a:ln>
+              <a:noFill/>
+            </a:ln>
+            <a:solidFill>
+              <a:srgbClr val="000000"/>
+            </a:solidFill>
+            <a:effectLst/>
+            <a:uFillTx/>
+            <a:latin typeface="Helvetica Neue Medium"/>
+            <a:ea typeface="Helvetica Neue Medium"/>
+            <a:cs typeface="Helvetica Neue Medium"/>
+            <a:sym typeface="Helvetica Neue Medium"/>
           </a:defRPr>
         </a:defPPr>
         <a:lvl1pPr marL="0" marR="0" indent="0" algn="l" defTabSz="914400" rtl="0" fontAlgn="auto" latinLnBrk="1" hangingPunct="0">
@@ -4590,10 +4685,10 @@
         <a:srgbClr val="FFFFFF"/>
       </a:lt1>
       <a:dk2>
-        <a:srgbClr val="434343"/>
+        <a:srgbClr val="A7A7A7"/>
       </a:dk2>
       <a:lt2>
-        <a:srgbClr val="A9A9A9"/>
+        <a:srgbClr val="535353"/>
       </a:lt2>
       <a:accent1>
         <a:srgbClr val="0076BA"/>
@@ -4622,14 +4717,14 @@
     </a:clrScheme>
     <a:fontScheme name="Black">
       <a:majorFont>
-        <a:latin typeface="Helvetica Neue Medium"/>
-        <a:ea typeface="Helvetica Neue Medium"/>
-        <a:cs typeface="Helvetica Neue Medium"/>
+        <a:latin typeface="Helvetica"/>
+        <a:ea typeface="Helvetica"/>
+        <a:cs typeface="Helvetica"/>
       </a:majorFont>
       <a:minorFont>
-        <a:latin typeface="Helvetica Neue Medium"/>
-        <a:ea typeface="Helvetica Neue Medium"/>
-        <a:cs typeface="Helvetica Neue Medium"/>
+        <a:latin typeface="Helvetica Neue"/>
+        <a:ea typeface="Helvetica Neue"/>
+        <a:cs typeface="Helvetica Neue"/>
       </a:minorFont>
     </a:fontScheme>
     <a:fmtScheme name="Black">
@@ -4770,13 +4865,14 @@
     <a:spDef>
       <a:spPr>
         <a:solidFill>
-          <a:schemeClr val="accent1">
-            <a:lumOff val="13529"/>
-          </a:schemeClr>
+          <a:srgbClr val="FFFFFF"/>
         </a:solidFill>
-        <a:ln w="12700" cap="flat">
-          <a:noFill/>
-          <a:miter lim="400000"/>
+        <a:ln w="25400" cap="flat">
+          <a:solidFill>
+            <a:schemeClr val="accent1"/>
+          </a:solidFill>
+          <a:prstDash val="solid"/>
+          <a:round/>
         </a:ln>
         <a:effectLst/>
         <a:sp3d/>
@@ -4800,18 +4896,18 @@
           <a:buFontTx/>
           <a:buNone/>
           <a:tabLst/>
-          <a:defRPr b="0" baseline="0" cap="none" i="0" spc="0" strike="noStrike" sz="2200" u="none" kumimoji="0" normalizeH="0">
-            <a:ln>
-              <a:noFill/>
-            </a:ln>
-            <a:solidFill>
-              <a:srgbClr val="FFFFFF"/>
-            </a:solidFill>
-            <a:effectLst/>
-            <a:uFillTx/>
-            <a:latin typeface="+mn-lt"/>
-            <a:ea typeface="+mn-ea"/>
-            <a:cs typeface="+mn-cs"/>
+          <a:defRPr b="0" baseline="0" cap="none" i="0" spc="0" strike="noStrike" sz="2400" u="none" kumimoji="0" normalizeH="0">
+            <a:ln>
+              <a:noFill/>
+            </a:ln>
+            <a:solidFill>
+              <a:srgbClr val="000000"/>
+            </a:solidFill>
+            <a:effectLst/>
+            <a:uFillTx/>
+            <a:latin typeface="Helvetica Neue Medium"/>
+            <a:ea typeface="Helvetica Neue Medium"/>
+            <a:cs typeface="Helvetica Neue Medium"/>
             <a:sym typeface="Helvetica Neue Medium"/>
           </a:defRPr>
         </a:defPPr>
@@ -5062,10 +5158,10 @@
         <a:noFill/>
         <a:ln w="25400" cap="flat">
           <a:solidFill>
-            <a:srgbClr val="FFFFFF"/>
+            <a:schemeClr val="accent1"/>
           </a:solidFill>
           <a:prstDash val="solid"/>
-          <a:miter lim="400000"/>
+          <a:round/>
         </a:ln>
         <a:effectLst/>
         <a:sp3d/>
@@ -5371,19 +5467,19 @@
           <a:buFontTx/>
           <a:buNone/>
           <a:tabLst/>
-          <a:defRPr b="1" baseline="0" cap="none" i="0" spc="0" strike="noStrike" sz="2400" u="none" kumimoji="0" normalizeH="0">
-            <a:ln>
-              <a:noFill/>
-            </a:ln>
-            <a:solidFill>
-              <a:srgbClr val="FFFFFF"/>
-            </a:solidFill>
-            <a:effectLst/>
-            <a:uFillTx/>
-            <a:latin typeface="Helvetica Neue"/>
-            <a:ea typeface="Helvetica Neue"/>
-            <a:cs typeface="Helvetica Neue"/>
-            <a:sym typeface="Helvetica Neue"/>
+          <a:defRPr b="0" baseline="0" cap="none" i="0" spc="0" strike="noStrike" sz="2400" u="none" kumimoji="0" normalizeH="0">
+            <a:ln>
+              <a:noFill/>
+            </a:ln>
+            <a:solidFill>
+              <a:srgbClr val="000000"/>
+            </a:solidFill>
+            <a:effectLst/>
+            <a:uFillTx/>
+            <a:latin typeface="Helvetica Neue Medium"/>
+            <a:ea typeface="Helvetica Neue Medium"/>
+            <a:cs typeface="Helvetica Neue Medium"/>
+            <a:sym typeface="Helvetica Neue Medium"/>
           </a:defRPr>
         </a:defPPr>
         <a:lvl1pPr marL="0" marR="0" indent="0" algn="l" defTabSz="914400" rtl="0" fontAlgn="auto" latinLnBrk="1" hangingPunct="0">
